--- a/images/conv_lstm_architecture.pptx
+++ b/images/conv_lstm_architecture.pptx
@@ -104,6 +104,11 @@
       </a:defRPr>
     </a:lvl9pPr>
   </p:defaultTextStyle>
+  <p:extLst>
+    <p:ext uri="{EFAFB233-063F-42B5-8137-9DF3F51BA10A}">
+      <p15:sldGuideLst xmlns:p15="http://schemas.microsoft.com/office/powerpoint/2012/main"/>
+    </p:ext>
+  </p:extLst>
 </p:presentation>
 </file>
 
@@ -256,7 +261,7 @@
           <a:p>
             <a:fld id="{14EE4D02-324A-4105-B472-D09A6289C1BC}" type="datetimeFigureOut">
               <a:rPr lang="it-IT" smtClean="0"/>
-              <a:t>31/01/2024</a:t>
+              <a:t>01/02/2024</a:t>
             </a:fld>
             <a:endParaRPr lang="it-IT"/>
           </a:p>
@@ -456,7 +461,7 @@
           <a:p>
             <a:fld id="{14EE4D02-324A-4105-B472-D09A6289C1BC}" type="datetimeFigureOut">
               <a:rPr lang="it-IT" smtClean="0"/>
-              <a:t>31/01/2024</a:t>
+              <a:t>01/02/2024</a:t>
             </a:fld>
             <a:endParaRPr lang="it-IT"/>
           </a:p>
@@ -666,7 +671,7 @@
           <a:p>
             <a:fld id="{14EE4D02-324A-4105-B472-D09A6289C1BC}" type="datetimeFigureOut">
               <a:rPr lang="it-IT" smtClean="0"/>
-              <a:t>31/01/2024</a:t>
+              <a:t>01/02/2024</a:t>
             </a:fld>
             <a:endParaRPr lang="it-IT"/>
           </a:p>
@@ -866,7 +871,7 @@
           <a:p>
             <a:fld id="{14EE4D02-324A-4105-B472-D09A6289C1BC}" type="datetimeFigureOut">
               <a:rPr lang="it-IT" smtClean="0"/>
-              <a:t>31/01/2024</a:t>
+              <a:t>01/02/2024</a:t>
             </a:fld>
             <a:endParaRPr lang="it-IT"/>
           </a:p>
@@ -1142,7 +1147,7 @@
           <a:p>
             <a:fld id="{14EE4D02-324A-4105-B472-D09A6289C1BC}" type="datetimeFigureOut">
               <a:rPr lang="it-IT" smtClean="0"/>
-              <a:t>31/01/2024</a:t>
+              <a:t>01/02/2024</a:t>
             </a:fld>
             <a:endParaRPr lang="it-IT"/>
           </a:p>
@@ -1410,7 +1415,7 @@
           <a:p>
             <a:fld id="{14EE4D02-324A-4105-B472-D09A6289C1BC}" type="datetimeFigureOut">
               <a:rPr lang="it-IT" smtClean="0"/>
-              <a:t>31/01/2024</a:t>
+              <a:t>01/02/2024</a:t>
             </a:fld>
             <a:endParaRPr lang="it-IT"/>
           </a:p>
@@ -1825,7 +1830,7 @@
           <a:p>
             <a:fld id="{14EE4D02-324A-4105-B472-D09A6289C1BC}" type="datetimeFigureOut">
               <a:rPr lang="it-IT" smtClean="0"/>
-              <a:t>31/01/2024</a:t>
+              <a:t>01/02/2024</a:t>
             </a:fld>
             <a:endParaRPr lang="it-IT"/>
           </a:p>
@@ -1967,7 +1972,7 @@
           <a:p>
             <a:fld id="{14EE4D02-324A-4105-B472-D09A6289C1BC}" type="datetimeFigureOut">
               <a:rPr lang="it-IT" smtClean="0"/>
-              <a:t>31/01/2024</a:t>
+              <a:t>01/02/2024</a:t>
             </a:fld>
             <a:endParaRPr lang="it-IT"/>
           </a:p>
@@ -2080,7 +2085,7 @@
           <a:p>
             <a:fld id="{14EE4D02-324A-4105-B472-D09A6289C1BC}" type="datetimeFigureOut">
               <a:rPr lang="it-IT" smtClean="0"/>
-              <a:t>31/01/2024</a:t>
+              <a:t>01/02/2024</a:t>
             </a:fld>
             <a:endParaRPr lang="it-IT"/>
           </a:p>
@@ -2393,7 +2398,7 @@
           <a:p>
             <a:fld id="{14EE4D02-324A-4105-B472-D09A6289C1BC}" type="datetimeFigureOut">
               <a:rPr lang="it-IT" smtClean="0"/>
-              <a:t>31/01/2024</a:t>
+              <a:t>01/02/2024</a:t>
             </a:fld>
             <a:endParaRPr lang="it-IT"/>
           </a:p>
@@ -2682,7 +2687,7 @@
           <a:p>
             <a:fld id="{14EE4D02-324A-4105-B472-D09A6289C1BC}" type="datetimeFigureOut">
               <a:rPr lang="it-IT" smtClean="0"/>
-              <a:t>31/01/2024</a:t>
+              <a:t>01/02/2024</a:t>
             </a:fld>
             <a:endParaRPr lang="it-IT"/>
           </a:p>
@@ -2925,7 +2930,7 @@
           <a:p>
             <a:fld id="{14EE4D02-324A-4105-B472-D09A6289C1BC}" type="datetimeFigureOut">
               <a:rPr lang="it-IT" smtClean="0"/>
-              <a:t>31/01/2024</a:t>
+              <a:t>01/02/2024</a:t>
             </a:fld>
             <a:endParaRPr lang="it-IT"/>
           </a:p>
@@ -5585,14 +5590,13 @@
           <p:cNvCxnSpPr>
             <a:cxnSpLocks/>
             <a:stCxn id="39" idx="6"/>
-            <a:endCxn id="77" idx="2"/>
           </p:cNvCxnSpPr>
           <p:nvPr/>
         </p:nvCxnSpPr>
         <p:spPr>
           <a:xfrm>
             <a:off x="5321732" y="2471494"/>
-            <a:ext cx="1848471" cy="26259"/>
+            <a:ext cx="1848471" cy="2297151"/>
           </a:xfrm>
           <a:prstGeom prst="straightConnector1">
             <a:avLst/>

--- a/images/conv_lstm_architecture.pptx
+++ b/images/conv_lstm_architecture.pptx
@@ -6,6 +6,7 @@
   </p:sldMasterIdLst>
   <p:sldIdLst>
     <p:sldId id="256" r:id="rId2"/>
+    <p:sldId id="257" r:id="rId3"/>
   </p:sldIdLst>
   <p:sldSz cx="12192000" cy="6858000"/>
   <p:notesSz cx="6858000" cy="9144000"/>
@@ -261,7 +262,7 @@
           <a:p>
             <a:fld id="{14EE4D02-324A-4105-B472-D09A6289C1BC}" type="datetimeFigureOut">
               <a:rPr lang="it-IT" smtClean="0"/>
-              <a:t>01/02/2024</a:t>
+              <a:t>02/02/2024</a:t>
             </a:fld>
             <a:endParaRPr lang="it-IT"/>
           </a:p>
@@ -461,7 +462,7 @@
           <a:p>
             <a:fld id="{14EE4D02-324A-4105-B472-D09A6289C1BC}" type="datetimeFigureOut">
               <a:rPr lang="it-IT" smtClean="0"/>
-              <a:t>01/02/2024</a:t>
+              <a:t>02/02/2024</a:t>
             </a:fld>
             <a:endParaRPr lang="it-IT"/>
           </a:p>
@@ -671,7 +672,7 @@
           <a:p>
             <a:fld id="{14EE4D02-324A-4105-B472-D09A6289C1BC}" type="datetimeFigureOut">
               <a:rPr lang="it-IT" smtClean="0"/>
-              <a:t>01/02/2024</a:t>
+              <a:t>02/02/2024</a:t>
             </a:fld>
             <a:endParaRPr lang="it-IT"/>
           </a:p>
@@ -871,7 +872,7 @@
           <a:p>
             <a:fld id="{14EE4D02-324A-4105-B472-D09A6289C1BC}" type="datetimeFigureOut">
               <a:rPr lang="it-IT" smtClean="0"/>
-              <a:t>01/02/2024</a:t>
+              <a:t>02/02/2024</a:t>
             </a:fld>
             <a:endParaRPr lang="it-IT"/>
           </a:p>
@@ -1147,7 +1148,7 @@
           <a:p>
             <a:fld id="{14EE4D02-324A-4105-B472-D09A6289C1BC}" type="datetimeFigureOut">
               <a:rPr lang="it-IT" smtClean="0"/>
-              <a:t>01/02/2024</a:t>
+              <a:t>02/02/2024</a:t>
             </a:fld>
             <a:endParaRPr lang="it-IT"/>
           </a:p>
@@ -1415,7 +1416,7 @@
           <a:p>
             <a:fld id="{14EE4D02-324A-4105-B472-D09A6289C1BC}" type="datetimeFigureOut">
               <a:rPr lang="it-IT" smtClean="0"/>
-              <a:t>01/02/2024</a:t>
+              <a:t>02/02/2024</a:t>
             </a:fld>
             <a:endParaRPr lang="it-IT"/>
           </a:p>
@@ -1830,7 +1831,7 @@
           <a:p>
             <a:fld id="{14EE4D02-324A-4105-B472-D09A6289C1BC}" type="datetimeFigureOut">
               <a:rPr lang="it-IT" smtClean="0"/>
-              <a:t>01/02/2024</a:t>
+              <a:t>02/02/2024</a:t>
             </a:fld>
             <a:endParaRPr lang="it-IT"/>
           </a:p>
@@ -1972,7 +1973,7 @@
           <a:p>
             <a:fld id="{14EE4D02-324A-4105-B472-D09A6289C1BC}" type="datetimeFigureOut">
               <a:rPr lang="it-IT" smtClean="0"/>
-              <a:t>01/02/2024</a:t>
+              <a:t>02/02/2024</a:t>
             </a:fld>
             <a:endParaRPr lang="it-IT"/>
           </a:p>
@@ -2085,7 +2086,7 @@
           <a:p>
             <a:fld id="{14EE4D02-324A-4105-B472-D09A6289C1BC}" type="datetimeFigureOut">
               <a:rPr lang="it-IT" smtClean="0"/>
-              <a:t>01/02/2024</a:t>
+              <a:t>02/02/2024</a:t>
             </a:fld>
             <a:endParaRPr lang="it-IT"/>
           </a:p>
@@ -2398,7 +2399,7 @@
           <a:p>
             <a:fld id="{14EE4D02-324A-4105-B472-D09A6289C1BC}" type="datetimeFigureOut">
               <a:rPr lang="it-IT" smtClean="0"/>
-              <a:t>01/02/2024</a:t>
+              <a:t>02/02/2024</a:t>
             </a:fld>
             <a:endParaRPr lang="it-IT"/>
           </a:p>
@@ -2687,7 +2688,7 @@
           <a:p>
             <a:fld id="{14EE4D02-324A-4105-B472-D09A6289C1BC}" type="datetimeFigureOut">
               <a:rPr lang="it-IT" smtClean="0"/>
-              <a:t>01/02/2024</a:t>
+              <a:t>02/02/2024</a:t>
             </a:fld>
             <a:endParaRPr lang="it-IT"/>
           </a:p>
@@ -2930,7 +2931,7 @@
           <a:p>
             <a:fld id="{14EE4D02-324A-4105-B472-D09A6289C1BC}" type="datetimeFigureOut">
               <a:rPr lang="it-IT" smtClean="0"/>
-              <a:t>01/02/2024</a:t>
+              <a:t>02/02/2024</a:t>
             </a:fld>
             <a:endParaRPr lang="it-IT"/>
           </a:p>
@@ -5671,6 +5672,71 @@
     <p:extLst>
       <p:ext uri="{BB962C8B-B14F-4D97-AF65-F5344CB8AC3E}">
         <p14:creationId xmlns:p14="http://schemas.microsoft.com/office/powerpoint/2010/main" val="2259604405"/>
+      </p:ext>
+    </p:extLst>
+  </p:cSld>
+  <p:clrMapOvr>
+    <a:masterClrMapping/>
+  </p:clrMapOvr>
+</p:sld>
+</file>
+
+<file path=ppt/slides/slide2.xml><?xml version="1.0" encoding="utf-8"?>
+<p:sld xmlns:a="http://schemas.openxmlformats.org/drawingml/2006/main" xmlns:r="http://schemas.openxmlformats.org/officeDocument/2006/relationships" xmlns:p="http://schemas.openxmlformats.org/presentationml/2006/main">
+  <p:cSld>
+    <p:spTree>
+      <p:nvGrpSpPr>
+        <p:cNvPr id="1" name=""/>
+        <p:cNvGrpSpPr/>
+        <p:nvPr/>
+      </p:nvGrpSpPr>
+      <p:grpSpPr>
+        <a:xfrm>
+          <a:off x="0" y="0"/>
+          <a:ext cx="0" cy="0"/>
+          <a:chOff x="0" y="0"/>
+          <a:chExt cx="0" cy="0"/>
+        </a:xfrm>
+      </p:grpSpPr>
+      <p:pic>
+        <p:nvPicPr>
+          <p:cNvPr id="5" name="Content Placeholder 4" descr="A diagram of a flowchart&#10;&#10;Description automatically generated">
+            <a:extLst>
+              <a:ext uri="{FF2B5EF4-FFF2-40B4-BE49-F238E27FC236}">
+                <a16:creationId xmlns:a16="http://schemas.microsoft.com/office/drawing/2014/main" id="{6DD35641-304E-D4BF-7CDF-F59B268C605A}"/>
+              </a:ext>
+            </a:extLst>
+          </p:cNvPr>
+          <p:cNvPicPr>
+            <a:picLocks noGrp="1" noChangeAspect="1"/>
+          </p:cNvPicPr>
+          <p:nvPr>
+            <p:ph idx="1"/>
+          </p:nvPr>
+        </p:nvPicPr>
+        <p:blipFill>
+          <a:blip r:embed="rId2">
+            <a:extLst>
+              <a:ext uri="{28A0092B-C50C-407E-A947-70E740481C1C}">
+                <a14:useLocalDpi xmlns:a14="http://schemas.microsoft.com/office/drawing/2010/main" val="0"/>
+              </a:ext>
+            </a:extLst>
+          </a:blip>
+          <a:stretch>
+            <a:fillRect/>
+          </a:stretch>
+        </p:blipFill>
+        <p:spPr>
+          <a:xfrm>
+            <a:off x="3362036" y="226142"/>
+            <a:ext cx="4501207" cy="5470819"/>
+          </a:xfrm>
+        </p:spPr>
+      </p:pic>
+    </p:spTree>
+    <p:extLst>
+      <p:ext uri="{BB962C8B-B14F-4D97-AF65-F5344CB8AC3E}">
+        <p14:creationId xmlns:p14="http://schemas.microsoft.com/office/powerpoint/2010/main" val="504089414"/>
       </p:ext>
     </p:extLst>
   </p:cSld>
